--- a/session-7/Session 7.pptx
+++ b/session-7/Session 7.pptx
@@ -5,11 +5,14 @@
     <p:sldMasterId id="2147483648" r:id="rId1"/>
   </p:sldMasterIdLst>
   <p:notesMasterIdLst>
-    <p:notesMasterId r:id="rId4"/>
+    <p:notesMasterId r:id="rId7"/>
   </p:notesMasterIdLst>
   <p:sldIdLst>
     <p:sldId id="256" r:id="rId2"/>
     <p:sldId id="257" r:id="rId3"/>
+    <p:sldId id="258" r:id="rId4"/>
+    <p:sldId id="259" r:id="rId5"/>
+    <p:sldId id="260" r:id="rId6"/>
   </p:sldIdLst>
   <p:sldSz cx="9144000" cy="5943600"/>
   <p:notesSz cx="6858000" cy="1600200"/>
@@ -11220,7 +11223,10 @@
           <a:bodyPr/>
           <a:lstStyle/>
           <a:p>
-            <a:endParaRPr lang="en-US"/>
+            <a:r>
+              <a:rPr lang="en-US" dirty="0"/>
+              <a:t>Advanced Templating</a:t>
+            </a:r>
           </a:p>
         </p:txBody>
       </p:sp>
@@ -11245,7 +11251,28 @@
           <a:bodyPr/>
           <a:lstStyle/>
           <a:p>
-            <a:endParaRPr lang="en-US"/>
+            <a:r>
+              <a:rPr lang="en-US" dirty="0"/>
+              <a:t>&lt;ng-container&gt;</a:t>
+            </a:r>
+          </a:p>
+          <a:p>
+            <a:endParaRPr lang="en-US" dirty="0"/>
+          </a:p>
+          <a:p>
+            <a:r>
+              <a:rPr lang="en-US" dirty="0"/>
+              <a:t>&lt;ng-content&gt;</a:t>
+            </a:r>
+          </a:p>
+          <a:p>
+            <a:endParaRPr lang="en-US" dirty="0"/>
+          </a:p>
+          <a:p>
+            <a:r>
+              <a:rPr lang="en-US" dirty="0"/>
+              <a:t>&lt;ng-template&gt;</a:t>
+            </a:r>
           </a:p>
         </p:txBody>
       </p:sp>
@@ -11283,6 +11310,478 @@
     <p:extLst>
       <p:ext uri="{BB962C8B-B14F-4D97-AF65-F5344CB8AC3E}">
         <p14:creationId xmlns:p14="http://schemas.microsoft.com/office/powerpoint/2010/main" val="1250140678"/>
+      </p:ext>
+    </p:extLst>
+  </p:cSld>
+  <p:clrMapOvr>
+    <a:masterClrMapping/>
+  </p:clrMapOvr>
+</p:sld>
+</file>
+
+<file path=ppt/slides/slide3.xml><?xml version="1.0" encoding="utf-8"?>
+<p:sld xmlns:a="http://schemas.openxmlformats.org/drawingml/2006/main" xmlns:r="http://schemas.openxmlformats.org/officeDocument/2006/relationships" xmlns:p="http://schemas.openxmlformats.org/presentationml/2006/main">
+  <p:cSld>
+    <p:spTree>
+      <p:nvGrpSpPr>
+        <p:cNvPr id="1" name=""/>
+        <p:cNvGrpSpPr/>
+        <p:nvPr/>
+      </p:nvGrpSpPr>
+      <p:grpSpPr>
+        <a:xfrm>
+          <a:off x="0" y="0"/>
+          <a:ext cx="0" cy="0"/>
+          <a:chOff x="0" y="0"/>
+          <a:chExt cx="0" cy="0"/>
+        </a:xfrm>
+      </p:grpSpPr>
+      <p:sp>
+        <p:nvSpPr>
+          <p:cNvPr id="2" name="Title 1">
+            <a:extLst>
+              <a:ext uri="{FF2B5EF4-FFF2-40B4-BE49-F238E27FC236}">
+                <a16:creationId xmlns:a16="http://schemas.microsoft.com/office/drawing/2014/main" id="{392B2653-869A-2E48-B208-55B698476956}"/>
+              </a:ext>
+            </a:extLst>
+          </p:cNvPr>
+          <p:cNvSpPr>
+            <a:spLocks noGrp="1"/>
+          </p:cNvSpPr>
+          <p:nvPr>
+            <p:ph type="title"/>
+          </p:nvPr>
+        </p:nvSpPr>
+        <p:spPr/>
+        <p:txBody>
+          <a:bodyPr/>
+          <a:lstStyle/>
+          <a:p>
+            <a:r>
+              <a:rPr lang="en-US" dirty="0"/>
+              <a:t>&lt;ng-container&gt;</a:t>
+            </a:r>
+          </a:p>
+        </p:txBody>
+      </p:sp>
+      <p:sp>
+        <p:nvSpPr>
+          <p:cNvPr id="3" name="Content Placeholder 2">
+            <a:extLst>
+              <a:ext uri="{FF2B5EF4-FFF2-40B4-BE49-F238E27FC236}">
+                <a16:creationId xmlns:a16="http://schemas.microsoft.com/office/drawing/2014/main" id="{2089201A-D1F7-5D40-B129-AE24619B64DC}"/>
+              </a:ext>
+            </a:extLst>
+          </p:cNvPr>
+          <p:cNvSpPr>
+            <a:spLocks noGrp="1"/>
+          </p:cNvSpPr>
+          <p:nvPr>
+            <p:ph idx="1"/>
+          </p:nvPr>
+        </p:nvSpPr>
+        <p:spPr/>
+        <p:txBody>
+          <a:bodyPr/>
+          <a:lstStyle/>
+          <a:p>
+            <a:r>
+              <a:rPr lang="en-IN" dirty="0"/>
+              <a:t>The &lt;ng-container&gt; is a syntax element recognized by the Angular parser. It's not a directive, component, class, or interface.</a:t>
+            </a:r>
+          </a:p>
+          <a:p>
+            <a:r>
+              <a:rPr lang="en-IN" dirty="0"/>
+              <a:t>This element is just a wrapper. It does not get rendered.</a:t>
+            </a:r>
+          </a:p>
+          <a:p>
+            <a:r>
+              <a:rPr lang="en-IN" dirty="0"/>
+              <a:t>It is useful in case</a:t>
+            </a:r>
+          </a:p>
+          <a:p>
+            <a:pPr marL="857250" lvl="1" indent="-457200">
+              <a:buFont typeface="+mj-lt"/>
+              <a:buAutoNum type="alphaLcPeriod"/>
+            </a:pPr>
+            <a:r>
+              <a:rPr lang="en-IN" dirty="0"/>
+              <a:t>You don't want to pollute the DOM.</a:t>
+            </a:r>
+          </a:p>
+          <a:p>
+            <a:pPr marL="857250" lvl="1" indent="-457200">
+              <a:buFont typeface="+mj-lt"/>
+              <a:buAutoNum type="alphaLcPeriod"/>
+            </a:pPr>
+            <a:r>
+              <a:rPr lang="en-IN" dirty="0"/>
+              <a:t>You want to use two structural directives in one place.</a:t>
+            </a:r>
+          </a:p>
+          <a:p>
+            <a:pPr marL="857250" lvl="1" indent="-457200">
+              <a:buFont typeface="+mj-lt"/>
+              <a:buAutoNum type="alphaLcPeriod"/>
+            </a:pPr>
+            <a:r>
+              <a:rPr lang="en-IN" dirty="0"/>
+              <a:t>You want to output valid HTML.</a:t>
+            </a:r>
+          </a:p>
+          <a:p>
+            <a:endParaRPr lang="en-IN" dirty="0"/>
+          </a:p>
+        </p:txBody>
+      </p:sp>
+      <p:sp>
+        <p:nvSpPr>
+          <p:cNvPr id="4" name="Slide Number Placeholder 3">
+            <a:extLst>
+              <a:ext uri="{FF2B5EF4-FFF2-40B4-BE49-F238E27FC236}">
+                <a16:creationId xmlns:a16="http://schemas.microsoft.com/office/drawing/2014/main" id="{553BA974-BA24-754C-819C-39DB160F62EF}"/>
+              </a:ext>
+            </a:extLst>
+          </p:cNvPr>
+          <p:cNvSpPr>
+            <a:spLocks noGrp="1"/>
+          </p:cNvSpPr>
+          <p:nvPr>
+            <p:ph type="sldNum" sz="quarter" idx="4"/>
+          </p:nvPr>
+        </p:nvSpPr>
+        <p:spPr/>
+        <p:txBody>
+          <a:bodyPr/>
+          <a:lstStyle/>
+          <a:p>
+            <a:fld id="{ABBBA974-37FA-4314-8CA6-CE2859D26BDF}" type="slidenum">
+              <a:rPr lang="en-US" smtClean="0"/>
+              <a:pPr/>
+              <a:t>3</a:t>
+            </a:fld>
+            <a:endParaRPr lang="en-US"/>
+          </a:p>
+        </p:txBody>
+      </p:sp>
+    </p:spTree>
+    <p:extLst>
+      <p:ext uri="{BB962C8B-B14F-4D97-AF65-F5344CB8AC3E}">
+        <p14:creationId xmlns:p14="http://schemas.microsoft.com/office/powerpoint/2010/main" val="587828825"/>
+      </p:ext>
+    </p:extLst>
+  </p:cSld>
+  <p:clrMapOvr>
+    <a:masterClrMapping/>
+  </p:clrMapOvr>
+</p:sld>
+</file>
+
+<file path=ppt/slides/slide4.xml><?xml version="1.0" encoding="utf-8"?>
+<p:sld xmlns:a="http://schemas.openxmlformats.org/drawingml/2006/main" xmlns:r="http://schemas.openxmlformats.org/officeDocument/2006/relationships" xmlns:p="http://schemas.openxmlformats.org/presentationml/2006/main">
+  <p:cSld>
+    <p:spTree>
+      <p:nvGrpSpPr>
+        <p:cNvPr id="1" name=""/>
+        <p:cNvGrpSpPr/>
+        <p:nvPr/>
+      </p:nvGrpSpPr>
+      <p:grpSpPr>
+        <a:xfrm>
+          <a:off x="0" y="0"/>
+          <a:ext cx="0" cy="0"/>
+          <a:chOff x="0" y="0"/>
+          <a:chExt cx="0" cy="0"/>
+        </a:xfrm>
+      </p:grpSpPr>
+      <p:sp>
+        <p:nvSpPr>
+          <p:cNvPr id="2" name="Title 1">
+            <a:extLst>
+              <a:ext uri="{FF2B5EF4-FFF2-40B4-BE49-F238E27FC236}">
+                <a16:creationId xmlns:a16="http://schemas.microsoft.com/office/drawing/2014/main" id="{0CB25390-CB1E-6042-930F-960DD268792B}"/>
+              </a:ext>
+            </a:extLst>
+          </p:cNvPr>
+          <p:cNvSpPr>
+            <a:spLocks noGrp="1"/>
+          </p:cNvSpPr>
+          <p:nvPr>
+            <p:ph type="title"/>
+          </p:nvPr>
+        </p:nvSpPr>
+        <p:spPr/>
+        <p:txBody>
+          <a:bodyPr/>
+          <a:lstStyle/>
+          <a:p>
+            <a:r>
+              <a:rPr lang="en-US" dirty="0"/>
+              <a:t>&lt;ng-content&gt;</a:t>
+            </a:r>
+          </a:p>
+        </p:txBody>
+      </p:sp>
+      <p:sp>
+        <p:nvSpPr>
+          <p:cNvPr id="3" name="Content Placeholder 2">
+            <a:extLst>
+              <a:ext uri="{FF2B5EF4-FFF2-40B4-BE49-F238E27FC236}">
+                <a16:creationId xmlns:a16="http://schemas.microsoft.com/office/drawing/2014/main" id="{6AFC334B-1A06-2446-98D4-F59FB4E037A5}"/>
+              </a:ext>
+            </a:extLst>
+          </p:cNvPr>
+          <p:cNvSpPr>
+            <a:spLocks noGrp="1"/>
+          </p:cNvSpPr>
+          <p:nvPr>
+            <p:ph idx="1"/>
+          </p:nvPr>
+        </p:nvSpPr>
+        <p:spPr/>
+        <p:txBody>
+          <a:bodyPr/>
+          <a:lstStyle/>
+          <a:p>
+            <a:r>
+              <a:rPr lang="en-US" dirty="0"/>
+              <a:t>Used for </a:t>
+            </a:r>
+            <a:r>
+              <a:rPr lang="en-IN" dirty="0"/>
+              <a:t>"content projection" :</a:t>
+            </a:r>
+          </a:p>
+          <a:p>
+            <a:pPr lvl="1"/>
+            <a:r>
+              <a:rPr lang="en-IN" i="1" dirty="0"/>
+              <a:t>projecting</a:t>
+            </a:r>
+            <a:r>
+              <a:rPr lang="en-IN" dirty="0"/>
+              <a:t> content from the parent component into the designated child component.</a:t>
+            </a:r>
+          </a:p>
+          <a:p>
+            <a:pPr marL="457200" lvl="1" indent="0">
+              <a:buNone/>
+            </a:pPr>
+            <a:endParaRPr lang="en-US" dirty="0"/>
+          </a:p>
+          <a:p>
+            <a:r>
+              <a:rPr lang="en-US" dirty="0"/>
+              <a:t>Essentially, it acts as placeholder for dynamic content.</a:t>
+            </a:r>
+          </a:p>
+          <a:p>
+            <a:pPr marL="0" indent="0">
+              <a:buNone/>
+            </a:pPr>
+            <a:endParaRPr lang="en-US" dirty="0"/>
+          </a:p>
+          <a:p>
+            <a:r>
+              <a:rPr lang="en-US" dirty="0"/>
+              <a:t>Also used to implement the slot pattern</a:t>
+            </a:r>
+            <a:endParaRPr lang="en-IN" dirty="0"/>
+          </a:p>
+        </p:txBody>
+      </p:sp>
+      <p:sp>
+        <p:nvSpPr>
+          <p:cNvPr id="4" name="Slide Number Placeholder 3">
+            <a:extLst>
+              <a:ext uri="{FF2B5EF4-FFF2-40B4-BE49-F238E27FC236}">
+                <a16:creationId xmlns:a16="http://schemas.microsoft.com/office/drawing/2014/main" id="{AE87AEF5-D91E-284B-B4B6-08E80BCBF2E3}"/>
+              </a:ext>
+            </a:extLst>
+          </p:cNvPr>
+          <p:cNvSpPr>
+            <a:spLocks noGrp="1"/>
+          </p:cNvSpPr>
+          <p:nvPr>
+            <p:ph type="sldNum" sz="quarter" idx="4"/>
+          </p:nvPr>
+        </p:nvSpPr>
+        <p:spPr/>
+        <p:txBody>
+          <a:bodyPr/>
+          <a:lstStyle/>
+          <a:p>
+            <a:fld id="{ABBBA974-37FA-4314-8CA6-CE2859D26BDF}" type="slidenum">
+              <a:rPr lang="en-US" smtClean="0"/>
+              <a:pPr/>
+              <a:t>4</a:t>
+            </a:fld>
+            <a:endParaRPr lang="en-US"/>
+          </a:p>
+        </p:txBody>
+      </p:sp>
+    </p:spTree>
+    <p:extLst>
+      <p:ext uri="{BB962C8B-B14F-4D97-AF65-F5344CB8AC3E}">
+        <p14:creationId xmlns:p14="http://schemas.microsoft.com/office/powerpoint/2010/main" val="1531544506"/>
+      </p:ext>
+    </p:extLst>
+  </p:cSld>
+  <p:clrMapOvr>
+    <a:masterClrMapping/>
+  </p:clrMapOvr>
+</p:sld>
+</file>
+
+<file path=ppt/slides/slide5.xml><?xml version="1.0" encoding="utf-8"?>
+<p:sld xmlns:a="http://schemas.openxmlformats.org/drawingml/2006/main" xmlns:r="http://schemas.openxmlformats.org/officeDocument/2006/relationships" xmlns:p="http://schemas.openxmlformats.org/presentationml/2006/main">
+  <p:cSld>
+    <p:spTree>
+      <p:nvGrpSpPr>
+        <p:cNvPr id="1" name=""/>
+        <p:cNvGrpSpPr/>
+        <p:nvPr/>
+      </p:nvGrpSpPr>
+      <p:grpSpPr>
+        <a:xfrm>
+          <a:off x="0" y="0"/>
+          <a:ext cx="0" cy="0"/>
+          <a:chOff x="0" y="0"/>
+          <a:chExt cx="0" cy="0"/>
+        </a:xfrm>
+      </p:grpSpPr>
+      <p:sp>
+        <p:nvSpPr>
+          <p:cNvPr id="2" name="Title 1">
+            <a:extLst>
+              <a:ext uri="{FF2B5EF4-FFF2-40B4-BE49-F238E27FC236}">
+                <a16:creationId xmlns:a16="http://schemas.microsoft.com/office/drawing/2014/main" id="{7C2DB613-216C-9C42-B4BD-91842BEB0AE9}"/>
+              </a:ext>
+            </a:extLst>
+          </p:cNvPr>
+          <p:cNvSpPr>
+            <a:spLocks noGrp="1"/>
+          </p:cNvSpPr>
+          <p:nvPr>
+            <p:ph type="title"/>
+          </p:nvPr>
+        </p:nvSpPr>
+        <p:spPr/>
+        <p:txBody>
+          <a:bodyPr/>
+          <a:lstStyle/>
+          <a:p>
+            <a:r>
+              <a:rPr lang="en-US" dirty="0"/>
+              <a:t>&lt;ng-template&gt;</a:t>
+            </a:r>
+          </a:p>
+        </p:txBody>
+      </p:sp>
+      <p:sp>
+        <p:nvSpPr>
+          <p:cNvPr id="3" name="Content Placeholder 2">
+            <a:extLst>
+              <a:ext uri="{FF2B5EF4-FFF2-40B4-BE49-F238E27FC236}">
+                <a16:creationId xmlns:a16="http://schemas.microsoft.com/office/drawing/2014/main" id="{7CBBCB62-04ED-A04B-8269-9640DCD3642E}"/>
+              </a:ext>
+            </a:extLst>
+          </p:cNvPr>
+          <p:cNvSpPr>
+            <a:spLocks noGrp="1"/>
+          </p:cNvSpPr>
+          <p:nvPr>
+            <p:ph idx="1"/>
+          </p:nvPr>
+        </p:nvSpPr>
+        <p:spPr/>
+        <p:txBody>
+          <a:bodyPr>
+            <a:normAutofit/>
+          </a:bodyPr>
+          <a:lstStyle/>
+          <a:p>
+            <a:r>
+              <a:rPr lang="en-US" dirty="0"/>
+              <a:t>Was earlier called just &lt;template&gt;. Changed from Angular 4 onwards.</a:t>
+            </a:r>
+          </a:p>
+          <a:p>
+            <a:r>
+              <a:rPr lang="en-US" dirty="0"/>
+              <a:t>Used by Angular under the hood for structural directives like *</a:t>
+            </a:r>
+            <a:r>
+              <a:rPr lang="en-US" dirty="0" err="1"/>
+              <a:t>ngIf</a:t>
+            </a:r>
+            <a:r>
+              <a:rPr lang="en-US" dirty="0"/>
+              <a:t> and *</a:t>
+            </a:r>
+            <a:r>
+              <a:rPr lang="en-US" dirty="0" err="1"/>
+              <a:t>ngFor</a:t>
+            </a:r>
+            <a:endParaRPr lang="en-US" dirty="0"/>
+          </a:p>
+          <a:p>
+            <a:r>
+              <a:rPr lang="en-US" dirty="0"/>
+              <a:t>It holds a template which some other element can render using the </a:t>
+            </a:r>
+            <a:r>
+              <a:rPr lang="en-IN" dirty="0"/>
+              <a:t>*</a:t>
+            </a:r>
+            <a:r>
+              <a:rPr lang="en-IN" dirty="0" err="1"/>
+              <a:t>ngTemplateOutlet</a:t>
+            </a:r>
+            <a:r>
+              <a:rPr lang="en-IN" dirty="0"/>
+              <a:t> directive.</a:t>
+            </a:r>
+          </a:p>
+        </p:txBody>
+      </p:sp>
+      <p:sp>
+        <p:nvSpPr>
+          <p:cNvPr id="4" name="Slide Number Placeholder 3">
+            <a:extLst>
+              <a:ext uri="{FF2B5EF4-FFF2-40B4-BE49-F238E27FC236}">
+                <a16:creationId xmlns:a16="http://schemas.microsoft.com/office/drawing/2014/main" id="{9BD61718-B4F8-0F49-8685-2E99CCEF3055}"/>
+              </a:ext>
+            </a:extLst>
+          </p:cNvPr>
+          <p:cNvSpPr>
+            <a:spLocks noGrp="1"/>
+          </p:cNvSpPr>
+          <p:nvPr>
+            <p:ph type="sldNum" sz="quarter" idx="4"/>
+          </p:nvPr>
+        </p:nvSpPr>
+        <p:spPr/>
+        <p:txBody>
+          <a:bodyPr/>
+          <a:lstStyle/>
+          <a:p>
+            <a:fld id="{ABBBA974-37FA-4314-8CA6-CE2859D26BDF}" type="slidenum">
+              <a:rPr lang="en-US" smtClean="0"/>
+              <a:pPr/>
+              <a:t>5</a:t>
+            </a:fld>
+            <a:endParaRPr lang="en-US"/>
+          </a:p>
+        </p:txBody>
+      </p:sp>
+    </p:spTree>
+    <p:extLst>
+      <p:ext uri="{BB962C8B-B14F-4D97-AF65-F5344CB8AC3E}">
+        <p14:creationId xmlns:p14="http://schemas.microsoft.com/office/powerpoint/2010/main" val="3769455855"/>
       </p:ext>
     </p:extLst>
   </p:cSld>

--- a/session-7/Session 7.pptx
+++ b/session-7/Session 7.pptx
@@ -5,7 +5,7 @@
     <p:sldMasterId id="2147483648" r:id="rId1"/>
   </p:sldMasterIdLst>
   <p:notesMasterIdLst>
-    <p:notesMasterId r:id="rId7"/>
+    <p:notesMasterId r:id="rId12"/>
   </p:notesMasterIdLst>
   <p:sldIdLst>
     <p:sldId id="256" r:id="rId2"/>
@@ -13,6 +13,11 @@
     <p:sldId id="258" r:id="rId4"/>
     <p:sldId id="259" r:id="rId5"/>
     <p:sldId id="260" r:id="rId6"/>
+    <p:sldId id="261" r:id="rId7"/>
+    <p:sldId id="265" r:id="rId8"/>
+    <p:sldId id="262" r:id="rId9"/>
+    <p:sldId id="263" r:id="rId10"/>
+    <p:sldId id="264" r:id="rId11"/>
   </p:sldIdLst>
   <p:sldSz cx="9144000" cy="5943600"/>
   <p:notesSz cx="6858000" cy="1600200"/>
@@ -11185,6 +11190,179 @@
 </p:sld>
 </file>
 
+<file path=ppt/slides/slide10.xml><?xml version="1.0" encoding="utf-8"?>
+<p:sld xmlns:a="http://schemas.openxmlformats.org/drawingml/2006/main" xmlns:r="http://schemas.openxmlformats.org/officeDocument/2006/relationships" xmlns:p="http://schemas.openxmlformats.org/presentationml/2006/main">
+  <p:cSld>
+    <p:spTree>
+      <p:nvGrpSpPr>
+        <p:cNvPr id="1" name=""/>
+        <p:cNvGrpSpPr/>
+        <p:nvPr/>
+      </p:nvGrpSpPr>
+      <p:grpSpPr>
+        <a:xfrm>
+          <a:off x="0" y="0"/>
+          <a:ext cx="0" cy="0"/>
+          <a:chOff x="0" y="0"/>
+          <a:chExt cx="0" cy="0"/>
+        </a:xfrm>
+      </p:grpSpPr>
+      <p:sp>
+        <p:nvSpPr>
+          <p:cNvPr id="2" name="Title 1">
+            <a:extLst>
+              <a:ext uri="{FF2B5EF4-FFF2-40B4-BE49-F238E27FC236}">
+                <a16:creationId xmlns:a16="http://schemas.microsoft.com/office/drawing/2014/main" id="{494F02C2-7AF2-3D4B-94FB-701E471143A2}"/>
+              </a:ext>
+            </a:extLst>
+          </p:cNvPr>
+          <p:cNvSpPr>
+            <a:spLocks noGrp="1"/>
+          </p:cNvSpPr>
+          <p:nvPr>
+            <p:ph type="title"/>
+          </p:nvPr>
+        </p:nvSpPr>
+        <p:spPr/>
+        <p:txBody>
+          <a:bodyPr/>
+          <a:lstStyle/>
+          <a:p>
+            <a:r>
+              <a:rPr lang="en-US" dirty="0"/>
+              <a:t>@</a:t>
+            </a:r>
+            <a:r>
+              <a:rPr lang="en-US" dirty="0" err="1"/>
+              <a:t>SkipSelf</a:t>
+            </a:r>
+            <a:endParaRPr lang="en-US" dirty="0"/>
+          </a:p>
+        </p:txBody>
+      </p:sp>
+      <p:sp>
+        <p:nvSpPr>
+          <p:cNvPr id="3" name="Content Placeholder 2">
+            <a:extLst>
+              <a:ext uri="{FF2B5EF4-FFF2-40B4-BE49-F238E27FC236}">
+                <a16:creationId xmlns:a16="http://schemas.microsoft.com/office/drawing/2014/main" id="{692CCFBD-22EF-CC48-8F1D-6ED96889D9E8}"/>
+              </a:ext>
+            </a:extLst>
+          </p:cNvPr>
+          <p:cNvSpPr>
+            <a:spLocks noGrp="1"/>
+          </p:cNvSpPr>
+          <p:nvPr>
+            <p:ph idx="1"/>
+          </p:nvPr>
+        </p:nvSpPr>
+        <p:spPr/>
+        <p:txBody>
+          <a:bodyPr/>
+          <a:lstStyle/>
+          <a:p>
+            <a:r>
+              <a:rPr lang="en-IN" dirty="0"/>
+              <a:t>Tells the DI framework to start dependency resolution from the parent injector</a:t>
+            </a:r>
+          </a:p>
+          <a:p>
+            <a:endParaRPr lang="en-IN" dirty="0"/>
+          </a:p>
+          <a:p>
+            <a:pPr marL="0" indent="0">
+              <a:buNone/>
+            </a:pPr>
+            <a:r>
+              <a:rPr lang="en-IN" dirty="0">
+                <a:solidFill>
+                  <a:schemeClr val="bg1">
+                    <a:lumMod val="65000"/>
+                  </a:schemeClr>
+                </a:solidFill>
+                <a:latin typeface="Consolas" panose="020B0609020204030204" pitchFamily="49" charset="0"/>
+              </a:rPr>
+              <a:t>constructor(@</a:t>
+            </a:r>
+            <a:r>
+              <a:rPr lang="en-IN" dirty="0" err="1">
+                <a:solidFill>
+                  <a:schemeClr val="bg1">
+                    <a:lumMod val="65000"/>
+                  </a:schemeClr>
+                </a:solidFill>
+                <a:latin typeface="Consolas" panose="020B0609020204030204" pitchFamily="49" charset="0"/>
+              </a:rPr>
+              <a:t>SkipSelf</a:t>
+            </a:r>
+            <a:r>
+              <a:rPr lang="en-IN" dirty="0">
+                <a:solidFill>
+                  <a:schemeClr val="bg1">
+                    <a:lumMod val="65000"/>
+                  </a:schemeClr>
+                </a:solidFill>
+                <a:latin typeface="Consolas" panose="020B0609020204030204" pitchFamily="49" charset="0"/>
+              </a:rPr>
+              <a:t>() private logger: Logger)</a:t>
+            </a:r>
+            <a:endParaRPr lang="en-US" dirty="0">
+              <a:solidFill>
+                <a:schemeClr val="bg1">
+                  <a:lumMod val="65000"/>
+                </a:schemeClr>
+              </a:solidFill>
+              <a:latin typeface="Consolas" panose="020B0609020204030204" pitchFamily="49" charset="0"/>
+            </a:endParaRPr>
+          </a:p>
+          <a:p>
+            <a:endParaRPr lang="en-US" dirty="0"/>
+          </a:p>
+        </p:txBody>
+      </p:sp>
+      <p:sp>
+        <p:nvSpPr>
+          <p:cNvPr id="4" name="Slide Number Placeholder 3">
+            <a:extLst>
+              <a:ext uri="{FF2B5EF4-FFF2-40B4-BE49-F238E27FC236}">
+                <a16:creationId xmlns:a16="http://schemas.microsoft.com/office/drawing/2014/main" id="{2DFDB2BC-D037-BB46-81DE-937178BD88AB}"/>
+              </a:ext>
+            </a:extLst>
+          </p:cNvPr>
+          <p:cNvSpPr>
+            <a:spLocks noGrp="1"/>
+          </p:cNvSpPr>
+          <p:nvPr>
+            <p:ph type="sldNum" sz="quarter" idx="4"/>
+          </p:nvPr>
+        </p:nvSpPr>
+        <p:spPr/>
+        <p:txBody>
+          <a:bodyPr/>
+          <a:lstStyle/>
+          <a:p>
+            <a:fld id="{ABBBA974-37FA-4314-8CA6-CE2859D26BDF}" type="slidenum">
+              <a:rPr lang="en-US" smtClean="0"/>
+              <a:pPr/>
+              <a:t>10</a:t>
+            </a:fld>
+            <a:endParaRPr lang="en-US"/>
+          </a:p>
+        </p:txBody>
+      </p:sp>
+    </p:spTree>
+    <p:extLst>
+      <p:ext uri="{BB962C8B-B14F-4D97-AF65-F5344CB8AC3E}">
+        <p14:creationId xmlns:p14="http://schemas.microsoft.com/office/powerpoint/2010/main" val="473798368"/>
+      </p:ext>
+    </p:extLst>
+  </p:cSld>
+  <p:clrMapOvr>
+    <a:masterClrMapping/>
+  </p:clrMapOvr>
+</p:sld>
+</file>
+
 <file path=ppt/slides/slide2.xml><?xml version="1.0" encoding="utf-8"?>
 <p:sld xmlns:a="http://schemas.openxmlformats.org/drawingml/2006/main" xmlns:r="http://schemas.openxmlformats.org/officeDocument/2006/relationships" xmlns:p="http://schemas.openxmlformats.org/presentationml/2006/main">
   <p:cSld>
@@ -11782,6 +11960,617 @@
     <p:extLst>
       <p:ext uri="{BB962C8B-B14F-4D97-AF65-F5344CB8AC3E}">
         <p14:creationId xmlns:p14="http://schemas.microsoft.com/office/powerpoint/2010/main" val="3769455855"/>
+      </p:ext>
+    </p:extLst>
+  </p:cSld>
+  <p:clrMapOvr>
+    <a:masterClrMapping/>
+  </p:clrMapOvr>
+</p:sld>
+</file>
+
+<file path=ppt/slides/slide6.xml><?xml version="1.0" encoding="utf-8"?>
+<p:sld xmlns:a="http://schemas.openxmlformats.org/drawingml/2006/main" xmlns:r="http://schemas.openxmlformats.org/officeDocument/2006/relationships" xmlns:p="http://schemas.openxmlformats.org/presentationml/2006/main">
+  <p:cSld>
+    <p:spTree>
+      <p:nvGrpSpPr>
+        <p:cNvPr id="1" name=""/>
+        <p:cNvGrpSpPr/>
+        <p:nvPr/>
+      </p:nvGrpSpPr>
+      <p:grpSpPr>
+        <a:xfrm>
+          <a:off x="0" y="0"/>
+          <a:ext cx="0" cy="0"/>
+          <a:chOff x="0" y="0"/>
+          <a:chExt cx="0" cy="0"/>
+        </a:xfrm>
+      </p:grpSpPr>
+      <p:sp>
+        <p:nvSpPr>
+          <p:cNvPr id="2" name="Title 1">
+            <a:extLst>
+              <a:ext uri="{FF2B5EF4-FFF2-40B4-BE49-F238E27FC236}">
+                <a16:creationId xmlns:a16="http://schemas.microsoft.com/office/drawing/2014/main" id="{02DEF3E3-E2FC-624C-AFE4-BB8FD1B62119}"/>
+              </a:ext>
+            </a:extLst>
+          </p:cNvPr>
+          <p:cNvSpPr>
+            <a:spLocks noGrp="1"/>
+          </p:cNvSpPr>
+          <p:nvPr>
+            <p:ph type="title"/>
+          </p:nvPr>
+        </p:nvSpPr>
+        <p:spPr/>
+        <p:txBody>
+          <a:bodyPr/>
+          <a:lstStyle/>
+          <a:p>
+            <a:r>
+              <a:rPr lang="en-US" dirty="0"/>
+              <a:t>Dependency Injection</a:t>
+            </a:r>
+          </a:p>
+        </p:txBody>
+      </p:sp>
+      <p:sp>
+        <p:nvSpPr>
+          <p:cNvPr id="3" name="Content Placeholder 2">
+            <a:extLst>
+              <a:ext uri="{FF2B5EF4-FFF2-40B4-BE49-F238E27FC236}">
+                <a16:creationId xmlns:a16="http://schemas.microsoft.com/office/drawing/2014/main" id="{2114C771-3EBE-E84C-B561-60FA48219AB0}"/>
+              </a:ext>
+            </a:extLst>
+          </p:cNvPr>
+          <p:cNvSpPr>
+            <a:spLocks noGrp="1"/>
+          </p:cNvSpPr>
+          <p:nvPr>
+            <p:ph idx="1"/>
+          </p:nvPr>
+        </p:nvSpPr>
+        <p:spPr/>
+        <p:txBody>
+          <a:bodyPr/>
+          <a:lstStyle/>
+          <a:p>
+            <a:endParaRPr lang="en-US" dirty="0"/>
+          </a:p>
+          <a:p>
+            <a:r>
+              <a:rPr lang="en-IN" dirty="0"/>
+              <a:t>In Angular, the DI framework provides declared dependencies to a class when that class is instantiated.</a:t>
+            </a:r>
+          </a:p>
+          <a:p>
+            <a:endParaRPr lang="en-US" dirty="0"/>
+          </a:p>
+          <a:p>
+            <a:r>
+              <a:rPr lang="en-US" dirty="0"/>
+              <a:t>Dependencies can have other dependencies.</a:t>
+            </a:r>
+          </a:p>
+          <a:p>
+            <a:endParaRPr lang="en-US" dirty="0"/>
+          </a:p>
+          <a:p>
+            <a:r>
+              <a:rPr lang="en-US" dirty="0"/>
+              <a:t>Dependencies have a hierarchy by default.</a:t>
+            </a:r>
+          </a:p>
+        </p:txBody>
+      </p:sp>
+      <p:sp>
+        <p:nvSpPr>
+          <p:cNvPr id="4" name="Slide Number Placeholder 3">
+            <a:extLst>
+              <a:ext uri="{FF2B5EF4-FFF2-40B4-BE49-F238E27FC236}">
+                <a16:creationId xmlns:a16="http://schemas.microsoft.com/office/drawing/2014/main" id="{14A97D9A-B1C2-174B-B32A-FD6C201D2957}"/>
+              </a:ext>
+            </a:extLst>
+          </p:cNvPr>
+          <p:cNvSpPr>
+            <a:spLocks noGrp="1"/>
+          </p:cNvSpPr>
+          <p:nvPr>
+            <p:ph type="sldNum" sz="quarter" idx="4"/>
+          </p:nvPr>
+        </p:nvSpPr>
+        <p:spPr/>
+        <p:txBody>
+          <a:bodyPr/>
+          <a:lstStyle/>
+          <a:p>
+            <a:fld id="{ABBBA974-37FA-4314-8CA6-CE2859D26BDF}" type="slidenum">
+              <a:rPr lang="en-US" smtClean="0"/>
+              <a:pPr/>
+              <a:t>6</a:t>
+            </a:fld>
+            <a:endParaRPr lang="en-US"/>
+          </a:p>
+        </p:txBody>
+      </p:sp>
+    </p:spTree>
+    <p:extLst>
+      <p:ext uri="{BB962C8B-B14F-4D97-AF65-F5344CB8AC3E}">
+        <p14:creationId xmlns:p14="http://schemas.microsoft.com/office/powerpoint/2010/main" val="3842149770"/>
+      </p:ext>
+    </p:extLst>
+  </p:cSld>
+  <p:clrMapOvr>
+    <a:masterClrMapping/>
+  </p:clrMapOvr>
+</p:sld>
+</file>
+
+<file path=ppt/slides/slide7.xml><?xml version="1.0" encoding="utf-8"?>
+<p:sld xmlns:a="http://schemas.openxmlformats.org/drawingml/2006/main" xmlns:r="http://schemas.openxmlformats.org/officeDocument/2006/relationships" xmlns:p="http://schemas.openxmlformats.org/presentationml/2006/main">
+  <p:cSld>
+    <p:spTree>
+      <p:nvGrpSpPr>
+        <p:cNvPr id="1" name=""/>
+        <p:cNvGrpSpPr/>
+        <p:nvPr/>
+      </p:nvGrpSpPr>
+      <p:grpSpPr>
+        <a:xfrm>
+          <a:off x="0" y="0"/>
+          <a:ext cx="0" cy="0"/>
+          <a:chOff x="0" y="0"/>
+          <a:chExt cx="0" cy="0"/>
+        </a:xfrm>
+      </p:grpSpPr>
+      <p:sp>
+        <p:nvSpPr>
+          <p:cNvPr id="2" name="Title 1">
+            <a:extLst>
+              <a:ext uri="{FF2B5EF4-FFF2-40B4-BE49-F238E27FC236}">
+                <a16:creationId xmlns:a16="http://schemas.microsoft.com/office/drawing/2014/main" id="{A1F18F72-18AD-8249-B14C-DB642966ACDC}"/>
+              </a:ext>
+            </a:extLst>
+          </p:cNvPr>
+          <p:cNvSpPr>
+            <a:spLocks noGrp="1"/>
+          </p:cNvSpPr>
+          <p:nvPr>
+            <p:ph type="title"/>
+          </p:nvPr>
+        </p:nvSpPr>
+        <p:spPr/>
+        <p:txBody>
+          <a:bodyPr>
+            <a:normAutofit/>
+          </a:bodyPr>
+          <a:lstStyle/>
+          <a:p>
+            <a:r>
+              <a:rPr lang="en-IN" dirty="0"/>
+              <a:t>Dependency injection tokens</a:t>
+            </a:r>
+            <a:endParaRPr lang="en-US" dirty="0"/>
+          </a:p>
+        </p:txBody>
+      </p:sp>
+      <p:sp>
+        <p:nvSpPr>
+          <p:cNvPr id="3" name="Content Placeholder 2">
+            <a:extLst>
+              <a:ext uri="{FF2B5EF4-FFF2-40B4-BE49-F238E27FC236}">
+                <a16:creationId xmlns:a16="http://schemas.microsoft.com/office/drawing/2014/main" id="{179CCC2C-AB05-724F-973C-C930757F18A3}"/>
+              </a:ext>
+            </a:extLst>
+          </p:cNvPr>
+          <p:cNvSpPr>
+            <a:spLocks noGrp="1"/>
+          </p:cNvSpPr>
+          <p:nvPr>
+            <p:ph idx="1"/>
+          </p:nvPr>
+        </p:nvSpPr>
+        <p:spPr/>
+        <p:txBody>
+          <a:bodyPr/>
+          <a:lstStyle/>
+          <a:p>
+            <a:r>
+              <a:rPr lang="en-IN" dirty="0"/>
+              <a:t>When you configure an injector with a provider, you associate that provider with a </a:t>
+            </a:r>
+            <a:r>
+              <a:rPr lang="en-IN" dirty="0">
+                <a:hlinkClick r:id="rId2"/>
+              </a:rPr>
+              <a:t>DI token</a:t>
+            </a:r>
+            <a:r>
+              <a:rPr lang="en-IN" dirty="0"/>
+              <a:t>. </a:t>
+            </a:r>
+          </a:p>
+          <a:p>
+            <a:r>
+              <a:rPr lang="en-IN" dirty="0"/>
+              <a:t>The injector maintains an internal </a:t>
+            </a:r>
+            <a:r>
+              <a:rPr lang="en-IN" i="1" dirty="0"/>
+              <a:t>token-provider</a:t>
+            </a:r>
+            <a:r>
+              <a:rPr lang="en-IN" dirty="0"/>
+              <a:t> map that it references when asked for a dependency. The token is the key to the map.</a:t>
+            </a:r>
+          </a:p>
+          <a:p>
+            <a:endParaRPr lang="en-US" dirty="0"/>
+          </a:p>
+        </p:txBody>
+      </p:sp>
+      <p:sp>
+        <p:nvSpPr>
+          <p:cNvPr id="4" name="Slide Number Placeholder 3">
+            <a:extLst>
+              <a:ext uri="{FF2B5EF4-FFF2-40B4-BE49-F238E27FC236}">
+                <a16:creationId xmlns:a16="http://schemas.microsoft.com/office/drawing/2014/main" id="{972875D1-69EE-6549-B93C-FF70EE92E66C}"/>
+              </a:ext>
+            </a:extLst>
+          </p:cNvPr>
+          <p:cNvSpPr>
+            <a:spLocks noGrp="1"/>
+          </p:cNvSpPr>
+          <p:nvPr>
+            <p:ph type="sldNum" sz="quarter" idx="4"/>
+          </p:nvPr>
+        </p:nvSpPr>
+        <p:spPr/>
+        <p:txBody>
+          <a:bodyPr/>
+          <a:lstStyle/>
+          <a:p>
+            <a:fld id="{ABBBA974-37FA-4314-8CA6-CE2859D26BDF}" type="slidenum">
+              <a:rPr lang="en-US" smtClean="0"/>
+              <a:pPr/>
+              <a:t>7</a:t>
+            </a:fld>
+            <a:endParaRPr lang="en-US"/>
+          </a:p>
+        </p:txBody>
+      </p:sp>
+    </p:spTree>
+    <p:extLst>
+      <p:ext uri="{BB962C8B-B14F-4D97-AF65-F5344CB8AC3E}">
+        <p14:creationId xmlns:p14="http://schemas.microsoft.com/office/powerpoint/2010/main" val="2435477471"/>
+      </p:ext>
+    </p:extLst>
+  </p:cSld>
+  <p:clrMapOvr>
+    <a:masterClrMapping/>
+  </p:clrMapOvr>
+</p:sld>
+</file>
+
+<file path=ppt/slides/slide8.xml><?xml version="1.0" encoding="utf-8"?>
+<p:sld xmlns:a="http://schemas.openxmlformats.org/drawingml/2006/main" xmlns:r="http://schemas.openxmlformats.org/officeDocument/2006/relationships" xmlns:p="http://schemas.openxmlformats.org/presentationml/2006/main">
+  <p:cSld>
+    <p:spTree>
+      <p:nvGrpSpPr>
+        <p:cNvPr id="1" name=""/>
+        <p:cNvGrpSpPr/>
+        <p:nvPr/>
+      </p:nvGrpSpPr>
+      <p:grpSpPr>
+        <a:xfrm>
+          <a:off x="0" y="0"/>
+          <a:ext cx="0" cy="0"/>
+          <a:chOff x="0" y="0"/>
+          <a:chExt cx="0" cy="0"/>
+        </a:xfrm>
+      </p:grpSpPr>
+      <p:sp>
+        <p:nvSpPr>
+          <p:cNvPr id="2" name="Title 1">
+            <a:extLst>
+              <a:ext uri="{FF2B5EF4-FFF2-40B4-BE49-F238E27FC236}">
+                <a16:creationId xmlns:a16="http://schemas.microsoft.com/office/drawing/2014/main" id="{D6766E7E-F888-C84F-AAA9-408D098733D5}"/>
+              </a:ext>
+            </a:extLst>
+          </p:cNvPr>
+          <p:cNvSpPr>
+            <a:spLocks noGrp="1"/>
+          </p:cNvSpPr>
+          <p:nvPr>
+            <p:ph type="title"/>
+          </p:nvPr>
+        </p:nvSpPr>
+        <p:spPr/>
+        <p:txBody>
+          <a:bodyPr/>
+          <a:lstStyle/>
+          <a:p>
+            <a:r>
+              <a:rPr lang="en-US" dirty="0"/>
+              <a:t>@Optional</a:t>
+            </a:r>
+          </a:p>
+        </p:txBody>
+      </p:sp>
+      <p:sp>
+        <p:nvSpPr>
+          <p:cNvPr id="3" name="Content Placeholder 2">
+            <a:extLst>
+              <a:ext uri="{FF2B5EF4-FFF2-40B4-BE49-F238E27FC236}">
+                <a16:creationId xmlns:a16="http://schemas.microsoft.com/office/drawing/2014/main" id="{D3EA55F1-A3EC-144F-B78D-7AD9EF1DD032}"/>
+              </a:ext>
+            </a:extLst>
+          </p:cNvPr>
+          <p:cNvSpPr>
+            <a:spLocks noGrp="1"/>
+          </p:cNvSpPr>
+          <p:nvPr>
+            <p:ph idx="1"/>
+          </p:nvPr>
+        </p:nvSpPr>
+        <p:spPr/>
+        <p:txBody>
+          <a:bodyPr/>
+          <a:lstStyle/>
+          <a:p>
+            <a:r>
+              <a:rPr lang="en-IN" dirty="0"/>
+              <a:t>You can tell Angular that the dependency is optional by annotating the constructor parameter with @</a:t>
+            </a:r>
+            <a:r>
+              <a:rPr lang="en-IN" dirty="0">
+                <a:hlinkClick r:id="rId2"/>
+              </a:rPr>
+              <a:t>Optional</a:t>
+            </a:r>
+            <a:r>
+              <a:rPr lang="en-IN" dirty="0"/>
+              <a:t>()</a:t>
+            </a:r>
+          </a:p>
+          <a:p>
+            <a:endParaRPr lang="en-IN" dirty="0"/>
+          </a:p>
+          <a:p>
+            <a:pPr marL="0" indent="0">
+              <a:buNone/>
+            </a:pPr>
+            <a:r>
+              <a:rPr lang="en-IN" dirty="0">
+                <a:solidFill>
+                  <a:schemeClr val="bg1">
+                    <a:lumMod val="65000"/>
+                  </a:schemeClr>
+                </a:solidFill>
+                <a:latin typeface="Consolas" panose="020B0609020204030204" pitchFamily="49" charset="0"/>
+              </a:rPr>
+              <a:t>constructor(@</a:t>
+            </a:r>
+            <a:r>
+              <a:rPr lang="en-IN" dirty="0">
+                <a:solidFill>
+                  <a:schemeClr val="bg1">
+                    <a:lumMod val="65000"/>
+                  </a:schemeClr>
+                </a:solidFill>
+                <a:latin typeface="Consolas" panose="020B0609020204030204" pitchFamily="49" charset="0"/>
+                <a:hlinkClick r:id="rId2">
+                  <a:extLst>
+                    <a:ext uri="{A12FA001-AC4F-418D-AE19-62706E023703}">
+                      <ahyp:hlinkClr xmlns:ahyp="http://schemas.microsoft.com/office/drawing/2018/hyperlinkcolor" val="tx"/>
+                    </a:ext>
+                  </a:extLst>
+                </a:hlinkClick>
+              </a:rPr>
+              <a:t>Optional</a:t>
+            </a:r>
+            <a:r>
+              <a:rPr lang="en-IN" dirty="0">
+                <a:solidFill>
+                  <a:schemeClr val="bg1">
+                    <a:lumMod val="65000"/>
+                  </a:schemeClr>
+                </a:solidFill>
+                <a:latin typeface="Consolas" panose="020B0609020204030204" pitchFamily="49" charset="0"/>
+              </a:rPr>
+              <a:t>() private logger: Logger)</a:t>
+            </a:r>
+            <a:endParaRPr lang="en-US" dirty="0">
+              <a:solidFill>
+                <a:schemeClr val="bg1">
+                  <a:lumMod val="65000"/>
+                </a:schemeClr>
+              </a:solidFill>
+              <a:latin typeface="Consolas" panose="020B0609020204030204" pitchFamily="49" charset="0"/>
+            </a:endParaRPr>
+          </a:p>
+        </p:txBody>
+      </p:sp>
+      <p:sp>
+        <p:nvSpPr>
+          <p:cNvPr id="4" name="Slide Number Placeholder 3">
+            <a:extLst>
+              <a:ext uri="{FF2B5EF4-FFF2-40B4-BE49-F238E27FC236}">
+                <a16:creationId xmlns:a16="http://schemas.microsoft.com/office/drawing/2014/main" id="{86516718-3F19-6F4A-872D-01741DCAE427}"/>
+              </a:ext>
+            </a:extLst>
+          </p:cNvPr>
+          <p:cNvSpPr>
+            <a:spLocks noGrp="1"/>
+          </p:cNvSpPr>
+          <p:nvPr>
+            <p:ph type="sldNum" sz="quarter" idx="4"/>
+          </p:nvPr>
+        </p:nvSpPr>
+        <p:spPr/>
+        <p:txBody>
+          <a:bodyPr/>
+          <a:lstStyle/>
+          <a:p>
+            <a:fld id="{ABBBA974-37FA-4314-8CA6-CE2859D26BDF}" type="slidenum">
+              <a:rPr lang="en-US" smtClean="0"/>
+              <a:pPr/>
+              <a:t>8</a:t>
+            </a:fld>
+            <a:endParaRPr lang="en-US"/>
+          </a:p>
+        </p:txBody>
+      </p:sp>
+    </p:spTree>
+    <p:extLst>
+      <p:ext uri="{BB962C8B-B14F-4D97-AF65-F5344CB8AC3E}">
+        <p14:creationId xmlns:p14="http://schemas.microsoft.com/office/powerpoint/2010/main" val="3374480346"/>
+      </p:ext>
+    </p:extLst>
+  </p:cSld>
+  <p:clrMapOvr>
+    <a:masterClrMapping/>
+  </p:clrMapOvr>
+</p:sld>
+</file>
+
+<file path=ppt/slides/slide9.xml><?xml version="1.0" encoding="utf-8"?>
+<p:sld xmlns:a="http://schemas.openxmlformats.org/drawingml/2006/main" xmlns:r="http://schemas.openxmlformats.org/officeDocument/2006/relationships" xmlns:p="http://schemas.openxmlformats.org/presentationml/2006/main">
+  <p:cSld>
+    <p:spTree>
+      <p:nvGrpSpPr>
+        <p:cNvPr id="1" name=""/>
+        <p:cNvGrpSpPr/>
+        <p:nvPr/>
+      </p:nvGrpSpPr>
+      <p:grpSpPr>
+        <a:xfrm>
+          <a:off x="0" y="0"/>
+          <a:ext cx="0" cy="0"/>
+          <a:chOff x="0" y="0"/>
+          <a:chExt cx="0" cy="0"/>
+        </a:xfrm>
+      </p:grpSpPr>
+      <p:sp>
+        <p:nvSpPr>
+          <p:cNvPr id="2" name="Title 1">
+            <a:extLst>
+              <a:ext uri="{FF2B5EF4-FFF2-40B4-BE49-F238E27FC236}">
+                <a16:creationId xmlns:a16="http://schemas.microsoft.com/office/drawing/2014/main" id="{4234BCFE-6882-EE4B-89E9-1182D12A5931}"/>
+              </a:ext>
+            </a:extLst>
+          </p:cNvPr>
+          <p:cNvSpPr>
+            <a:spLocks noGrp="1"/>
+          </p:cNvSpPr>
+          <p:nvPr>
+            <p:ph type="title"/>
+          </p:nvPr>
+        </p:nvSpPr>
+        <p:spPr/>
+        <p:txBody>
+          <a:bodyPr/>
+          <a:lstStyle/>
+          <a:p>
+            <a:r>
+              <a:rPr lang="en-US" dirty="0"/>
+              <a:t>@Self</a:t>
+            </a:r>
+          </a:p>
+        </p:txBody>
+      </p:sp>
+      <p:sp>
+        <p:nvSpPr>
+          <p:cNvPr id="3" name="Content Placeholder 2">
+            <a:extLst>
+              <a:ext uri="{FF2B5EF4-FFF2-40B4-BE49-F238E27FC236}">
+                <a16:creationId xmlns:a16="http://schemas.microsoft.com/office/drawing/2014/main" id="{18683ADE-C17E-B340-9B8C-631815DE9148}"/>
+              </a:ext>
+            </a:extLst>
+          </p:cNvPr>
+          <p:cNvSpPr>
+            <a:spLocks noGrp="1"/>
+          </p:cNvSpPr>
+          <p:nvPr>
+            <p:ph idx="1"/>
+          </p:nvPr>
+        </p:nvSpPr>
+        <p:spPr/>
+        <p:txBody>
+          <a:bodyPr/>
+          <a:lstStyle/>
+          <a:p>
+            <a:r>
+              <a:rPr lang="en-IN" dirty="0"/>
+              <a:t>Tells the DI framework to start dependency resolution from the local injector.</a:t>
+            </a:r>
+          </a:p>
+          <a:p>
+            <a:endParaRPr lang="en-IN" dirty="0"/>
+          </a:p>
+          <a:p>
+            <a:pPr marL="0" indent="0">
+              <a:buNone/>
+            </a:pPr>
+            <a:r>
+              <a:rPr lang="en-IN" dirty="0">
+                <a:solidFill>
+                  <a:schemeClr val="bg1">
+                    <a:lumMod val="65000"/>
+                  </a:schemeClr>
+                </a:solidFill>
+                <a:latin typeface="Consolas" panose="020B0609020204030204" pitchFamily="49" charset="0"/>
+              </a:rPr>
+              <a:t>constructor(@Self() private logger: Logger)</a:t>
+            </a:r>
+            <a:endParaRPr lang="en-US" dirty="0">
+              <a:solidFill>
+                <a:schemeClr val="bg1">
+                  <a:lumMod val="65000"/>
+                </a:schemeClr>
+              </a:solidFill>
+              <a:latin typeface="Consolas" panose="020B0609020204030204" pitchFamily="49" charset="0"/>
+            </a:endParaRPr>
+          </a:p>
+          <a:p>
+            <a:endParaRPr lang="en-US" dirty="0"/>
+          </a:p>
+        </p:txBody>
+      </p:sp>
+      <p:sp>
+        <p:nvSpPr>
+          <p:cNvPr id="4" name="Slide Number Placeholder 3">
+            <a:extLst>
+              <a:ext uri="{FF2B5EF4-FFF2-40B4-BE49-F238E27FC236}">
+                <a16:creationId xmlns:a16="http://schemas.microsoft.com/office/drawing/2014/main" id="{D25BA136-5EE5-F241-AD41-D76DA526CA3E}"/>
+              </a:ext>
+            </a:extLst>
+          </p:cNvPr>
+          <p:cNvSpPr>
+            <a:spLocks noGrp="1"/>
+          </p:cNvSpPr>
+          <p:nvPr>
+            <p:ph type="sldNum" sz="quarter" idx="4"/>
+          </p:nvPr>
+        </p:nvSpPr>
+        <p:spPr/>
+        <p:txBody>
+          <a:bodyPr/>
+          <a:lstStyle/>
+          <a:p>
+            <a:fld id="{ABBBA974-37FA-4314-8CA6-CE2859D26BDF}" type="slidenum">
+              <a:rPr lang="en-US" smtClean="0"/>
+              <a:pPr/>
+              <a:t>9</a:t>
+            </a:fld>
+            <a:endParaRPr lang="en-US"/>
+          </a:p>
+        </p:txBody>
+      </p:sp>
+    </p:spTree>
+    <p:extLst>
+      <p:ext uri="{BB962C8B-B14F-4D97-AF65-F5344CB8AC3E}">
+        <p14:creationId xmlns:p14="http://schemas.microsoft.com/office/powerpoint/2010/main" val="1509814515"/>
       </p:ext>
     </p:extLst>
   </p:cSld>

--- a/session-7/Session 7.pptx
+++ b/session-7/Session 7.pptx
@@ -5,7 +5,7 @@
     <p:sldMasterId id="2147483648" r:id="rId1"/>
   </p:sldMasterIdLst>
   <p:notesMasterIdLst>
-    <p:notesMasterId r:id="rId12"/>
+    <p:notesMasterId r:id="rId14"/>
   </p:notesMasterIdLst>
   <p:sldIdLst>
     <p:sldId id="256" r:id="rId2"/>
@@ -18,6 +18,8 @@
     <p:sldId id="262" r:id="rId9"/>
     <p:sldId id="263" r:id="rId10"/>
     <p:sldId id="264" r:id="rId11"/>
+    <p:sldId id="267" r:id="rId12"/>
+    <p:sldId id="266" r:id="rId13"/>
   </p:sldIdLst>
   <p:sldSz cx="9144000" cy="5943600"/>
   <p:notesSz cx="6858000" cy="1600200"/>
@@ -225,7 +227,7 @@
             <a:fld id="{7C297133-D644-4CB3-A9A5-B82CDC5AFE95}" type="datetimeFigureOut">
               <a:rPr lang="en-US" smtClean="0"/>
               <a:pPr/>
-              <a:t>1/12/20</a:t>
+              <a:t>1/24/20</a:t>
             </a:fld>
             <a:endParaRPr lang="en-US"/>
           </a:p>
@@ -11363,6 +11365,296 @@
 </p:sld>
 </file>
 
+<file path=ppt/slides/slide11.xml><?xml version="1.0" encoding="utf-8"?>
+<p:sld xmlns:a="http://schemas.openxmlformats.org/drawingml/2006/main" xmlns:r="http://schemas.openxmlformats.org/officeDocument/2006/relationships" xmlns:p="http://schemas.openxmlformats.org/presentationml/2006/main">
+  <p:cSld>
+    <p:spTree>
+      <p:nvGrpSpPr>
+        <p:cNvPr id="1" name=""/>
+        <p:cNvGrpSpPr/>
+        <p:nvPr/>
+      </p:nvGrpSpPr>
+      <p:grpSpPr>
+        <a:xfrm>
+          <a:off x="0" y="0"/>
+          <a:ext cx="0" cy="0"/>
+          <a:chOff x="0" y="0"/>
+          <a:chExt cx="0" cy="0"/>
+        </a:xfrm>
+      </p:grpSpPr>
+      <p:sp>
+        <p:nvSpPr>
+          <p:cNvPr id="2" name="Title 1">
+            <a:extLst>
+              <a:ext uri="{FF2B5EF4-FFF2-40B4-BE49-F238E27FC236}">
+                <a16:creationId xmlns:a16="http://schemas.microsoft.com/office/drawing/2014/main" id="{247C8000-A6BB-E24C-AE96-CCD8FADE1A90}"/>
+              </a:ext>
+            </a:extLst>
+          </p:cNvPr>
+          <p:cNvSpPr>
+            <a:spLocks noGrp="1"/>
+          </p:cNvSpPr>
+          <p:nvPr>
+            <p:ph type="title"/>
+          </p:nvPr>
+        </p:nvSpPr>
+        <p:spPr/>
+        <p:txBody>
+          <a:bodyPr/>
+          <a:lstStyle/>
+          <a:p>
+            <a:r>
+              <a:rPr lang="en-US" dirty="0"/>
+              <a:t>@Host</a:t>
+            </a:r>
+          </a:p>
+        </p:txBody>
+      </p:sp>
+      <p:sp>
+        <p:nvSpPr>
+          <p:cNvPr id="3" name="Content Placeholder 2">
+            <a:extLst>
+              <a:ext uri="{FF2B5EF4-FFF2-40B4-BE49-F238E27FC236}">
+                <a16:creationId xmlns:a16="http://schemas.microsoft.com/office/drawing/2014/main" id="{FA6FC6EC-B0FC-2D48-8D47-161D436E15AE}"/>
+              </a:ext>
+            </a:extLst>
+          </p:cNvPr>
+          <p:cNvSpPr>
+            <a:spLocks noGrp="1"/>
+          </p:cNvSpPr>
+          <p:nvPr>
+            <p:ph idx="1"/>
+          </p:nvPr>
+        </p:nvSpPr>
+        <p:spPr/>
+        <p:txBody>
+          <a:bodyPr/>
+          <a:lstStyle/>
+          <a:p>
+            <a:r>
+              <a:rPr lang="en-US" dirty="0"/>
+              <a:t>Tells the DI framework to look no further up than the </a:t>
+            </a:r>
+            <a:r>
+              <a:rPr lang="en-US" dirty="0" err="1"/>
+              <a:t>injecter</a:t>
+            </a:r>
+            <a:r>
+              <a:rPr lang="en-US" dirty="0"/>
+              <a:t> marked with @Host</a:t>
+            </a:r>
+          </a:p>
+          <a:p>
+            <a:endParaRPr lang="en-US" dirty="0"/>
+          </a:p>
+          <a:p>
+            <a:pPr marL="0" indent="0">
+              <a:buNone/>
+            </a:pPr>
+            <a:r>
+              <a:rPr lang="en-IN" dirty="0">
+                <a:solidFill>
+                  <a:schemeClr val="bg1">
+                    <a:lumMod val="65000"/>
+                  </a:schemeClr>
+                </a:solidFill>
+                <a:latin typeface="Consolas" panose="020B0609020204030204" pitchFamily="49" charset="0"/>
+              </a:rPr>
+              <a:t>constructor(@Host() private logger: Logger)</a:t>
+            </a:r>
+            <a:endParaRPr lang="en-US" dirty="0">
+              <a:solidFill>
+                <a:schemeClr val="bg1">
+                  <a:lumMod val="65000"/>
+                </a:schemeClr>
+              </a:solidFill>
+              <a:latin typeface="Consolas" panose="020B0609020204030204" pitchFamily="49" charset="0"/>
+            </a:endParaRPr>
+          </a:p>
+          <a:p>
+            <a:pPr marL="0" indent="0">
+              <a:buNone/>
+            </a:pPr>
+            <a:endParaRPr lang="en-US" dirty="0"/>
+          </a:p>
+        </p:txBody>
+      </p:sp>
+      <p:sp>
+        <p:nvSpPr>
+          <p:cNvPr id="4" name="Slide Number Placeholder 3">
+            <a:extLst>
+              <a:ext uri="{FF2B5EF4-FFF2-40B4-BE49-F238E27FC236}">
+                <a16:creationId xmlns:a16="http://schemas.microsoft.com/office/drawing/2014/main" id="{598D78DC-378E-8C4C-B832-3C53A67A6702}"/>
+              </a:ext>
+            </a:extLst>
+          </p:cNvPr>
+          <p:cNvSpPr>
+            <a:spLocks noGrp="1"/>
+          </p:cNvSpPr>
+          <p:nvPr>
+            <p:ph type="sldNum" sz="quarter" idx="4"/>
+          </p:nvPr>
+        </p:nvSpPr>
+        <p:spPr/>
+        <p:txBody>
+          <a:bodyPr/>
+          <a:lstStyle/>
+          <a:p>
+            <a:fld id="{ABBBA974-37FA-4314-8CA6-CE2859D26BDF}" type="slidenum">
+              <a:rPr lang="en-US" smtClean="0"/>
+              <a:pPr/>
+              <a:t>11</a:t>
+            </a:fld>
+            <a:endParaRPr lang="en-US"/>
+          </a:p>
+        </p:txBody>
+      </p:sp>
+    </p:spTree>
+    <p:extLst>
+      <p:ext uri="{BB962C8B-B14F-4D97-AF65-F5344CB8AC3E}">
+        <p14:creationId xmlns:p14="http://schemas.microsoft.com/office/powerpoint/2010/main" val="3336716775"/>
+      </p:ext>
+    </p:extLst>
+  </p:cSld>
+  <p:clrMapOvr>
+    <a:masterClrMapping/>
+  </p:clrMapOvr>
+</p:sld>
+</file>
+
+<file path=ppt/slides/slide12.xml><?xml version="1.0" encoding="utf-8"?>
+<p:sld xmlns:a="http://schemas.openxmlformats.org/drawingml/2006/main" xmlns:r="http://schemas.openxmlformats.org/officeDocument/2006/relationships" xmlns:p="http://schemas.openxmlformats.org/presentationml/2006/main">
+  <p:cSld>
+    <p:spTree>
+      <p:nvGrpSpPr>
+        <p:cNvPr id="1" name=""/>
+        <p:cNvGrpSpPr/>
+        <p:nvPr/>
+      </p:nvGrpSpPr>
+      <p:grpSpPr>
+        <a:xfrm>
+          <a:off x="0" y="0"/>
+          <a:ext cx="0" cy="0"/>
+          <a:chOff x="0" y="0"/>
+          <a:chExt cx="0" cy="0"/>
+        </a:xfrm>
+      </p:grpSpPr>
+      <p:sp>
+        <p:nvSpPr>
+          <p:cNvPr id="2" name="Title 1">
+            <a:extLst>
+              <a:ext uri="{FF2B5EF4-FFF2-40B4-BE49-F238E27FC236}">
+                <a16:creationId xmlns:a16="http://schemas.microsoft.com/office/drawing/2014/main" id="{B9A743DB-8951-A94F-B5B3-E087FD8A6E83}"/>
+              </a:ext>
+            </a:extLst>
+          </p:cNvPr>
+          <p:cNvSpPr>
+            <a:spLocks noGrp="1"/>
+          </p:cNvSpPr>
+          <p:nvPr>
+            <p:ph type="title"/>
+          </p:nvPr>
+        </p:nvSpPr>
+        <p:spPr/>
+        <p:txBody>
+          <a:bodyPr/>
+          <a:lstStyle/>
+          <a:p>
+            <a:r>
+              <a:rPr lang="en-US" dirty="0"/>
+              <a:t>TSPs </a:t>
+            </a:r>
+          </a:p>
+        </p:txBody>
+      </p:sp>
+      <p:sp>
+        <p:nvSpPr>
+          <p:cNvPr id="3" name="Content Placeholder 2">
+            <a:extLst>
+              <a:ext uri="{FF2B5EF4-FFF2-40B4-BE49-F238E27FC236}">
+                <a16:creationId xmlns:a16="http://schemas.microsoft.com/office/drawing/2014/main" id="{6F2F82A5-D38F-CA44-9BDB-4755EC02822D}"/>
+              </a:ext>
+            </a:extLst>
+          </p:cNvPr>
+          <p:cNvSpPr>
+            <a:spLocks noGrp="1"/>
+          </p:cNvSpPr>
+          <p:nvPr>
+            <p:ph idx="1"/>
+          </p:nvPr>
+        </p:nvSpPr>
+        <p:spPr/>
+        <p:txBody>
+          <a:bodyPr/>
+          <a:lstStyle/>
+          <a:p>
+            <a:r>
+              <a:rPr lang="en-US" dirty="0"/>
+              <a:t>As of Angular 6, angular prefers services to be tree-shakable.</a:t>
+            </a:r>
+          </a:p>
+          <a:p>
+            <a:endParaRPr lang="en-US" dirty="0"/>
+          </a:p>
+          <a:p>
+            <a:r>
+              <a:rPr lang="en-US" dirty="0"/>
+              <a:t>The </a:t>
+            </a:r>
+            <a:r>
+              <a:rPr lang="en-US" dirty="0" err="1"/>
+              <a:t>providedIn</a:t>
+            </a:r>
+            <a:r>
+              <a:rPr lang="en-US" dirty="0"/>
+              <a:t> syntax achieves that.</a:t>
+            </a:r>
+          </a:p>
+        </p:txBody>
+      </p:sp>
+      <p:sp>
+        <p:nvSpPr>
+          <p:cNvPr id="4" name="Slide Number Placeholder 3">
+            <a:extLst>
+              <a:ext uri="{FF2B5EF4-FFF2-40B4-BE49-F238E27FC236}">
+                <a16:creationId xmlns:a16="http://schemas.microsoft.com/office/drawing/2014/main" id="{38D454B3-F8A9-4549-9BCD-FAD2D2690C60}"/>
+              </a:ext>
+            </a:extLst>
+          </p:cNvPr>
+          <p:cNvSpPr>
+            <a:spLocks noGrp="1"/>
+          </p:cNvSpPr>
+          <p:nvPr>
+            <p:ph type="sldNum" sz="quarter" idx="4"/>
+          </p:nvPr>
+        </p:nvSpPr>
+        <p:spPr/>
+        <p:txBody>
+          <a:bodyPr/>
+          <a:lstStyle/>
+          <a:p>
+            <a:fld id="{ABBBA974-37FA-4314-8CA6-CE2859D26BDF}" type="slidenum">
+              <a:rPr lang="en-US" smtClean="0"/>
+              <a:pPr/>
+              <a:t>12</a:t>
+            </a:fld>
+            <a:endParaRPr lang="en-US"/>
+          </a:p>
+        </p:txBody>
+      </p:sp>
+    </p:spTree>
+    <p:extLst>
+      <p:ext uri="{BB962C8B-B14F-4D97-AF65-F5344CB8AC3E}">
+        <p14:creationId xmlns:p14="http://schemas.microsoft.com/office/powerpoint/2010/main" val="3028817836"/>
+      </p:ext>
+    </p:extLst>
+  </p:cSld>
+  <p:clrMapOvr>
+    <a:masterClrMapping/>
+  </p:clrMapOvr>
+</p:sld>
+</file>
+
 <file path=ppt/slides/slide2.xml><?xml version="1.0" encoding="utf-8"?>
 <p:sld xmlns:a="http://schemas.openxmlformats.org/drawingml/2006/main" xmlns:r="http://schemas.openxmlformats.org/officeDocument/2006/relationships" xmlns:p="http://schemas.openxmlformats.org/presentationml/2006/main">
   <p:cSld>
@@ -11721,7 +12013,9 @@
         </p:nvSpPr>
         <p:spPr/>
         <p:txBody>
-          <a:bodyPr/>
+          <a:bodyPr>
+            <a:normAutofit/>
+          </a:bodyPr>
           <a:lstStyle/>
           <a:p>
             <a:r>
@@ -11757,16 +12051,26 @@
             </a:r>
           </a:p>
           <a:p>
-            <a:pPr marL="0" indent="0">
-              <a:buNone/>
-            </a:pPr>
-            <a:endParaRPr lang="en-US" dirty="0"/>
-          </a:p>
-          <a:p>
             <a:r>
               <a:rPr lang="en-US" dirty="0"/>
               <a:t>Also used to implement the slot pattern</a:t>
             </a:r>
+          </a:p>
+          <a:p>
+            <a:r>
+              <a:rPr lang="en-IN" dirty="0"/>
+              <a:t>Use the @</a:t>
+            </a:r>
+            <a:r>
+              <a:rPr lang="en-IN" dirty="0" err="1"/>
+              <a:t>ContentChild</a:t>
+            </a:r>
+            <a:r>
+              <a:rPr lang="en-IN" dirty="0"/>
+              <a:t> decorator to query inside projected content.</a:t>
+            </a:r>
+          </a:p>
+          <a:p>
             <a:endParaRPr lang="en-IN" dirty="0"/>
           </a:p>
         </p:txBody>
